--- a/3-vue-introduction/3-vue-introduction.pptx
+++ b/3-vue-introduction/3-vue-introduction.pptx
@@ -126,6 +126,11 @@
       </a:defRPr>
     </a:lvl9pPr>
   </p:defaultTextStyle>
+  <p:extLst>
+    <p:ext uri="{EFAFB233-063F-42B5-8137-9DF3F51BA10A}">
+      <p15:sldGuideLst xmlns:p15="http://schemas.microsoft.com/office/powerpoint/2012/main"/>
+    </p:ext>
+  </p:extLst>
 </p:presentation>
 </file>
 
@@ -4340,7 +4345,7 @@
     <mc:Choice Requires="p14">
       <p:transition/>
     </mc:Choice>
-    <mc:Fallback xmlns:dsp="http://schemas.microsoft.com/office/drawing/2008/diagram" xmlns:dgm="http://schemas.openxmlformats.org/drawingml/2006/diagram" xmlns:c="http://schemas.openxmlformats.org/drawingml/2006/chart" xmlns="">
+    <mc:Fallback xmlns="" xmlns:c="http://schemas.openxmlformats.org/drawingml/2006/chart" xmlns:dgm="http://schemas.openxmlformats.org/drawingml/2006/diagram" xmlns:dsp="http://schemas.microsoft.com/office/drawing/2008/diagram">
       <p:transition/>
     </mc:Fallback>
   </mc:AlternateContent>
@@ -5108,7 +5113,7 @@
     <mc:Choice Requires="p14">
       <p:transition/>
     </mc:Choice>
-    <mc:Fallback xmlns:dsp="http://schemas.microsoft.com/office/drawing/2008/diagram" xmlns:dgm="http://schemas.openxmlformats.org/drawingml/2006/diagram" xmlns:c="http://schemas.openxmlformats.org/drawingml/2006/chart" xmlns="">
+    <mc:Fallback xmlns="" xmlns:c="http://schemas.openxmlformats.org/drawingml/2006/chart" xmlns:dgm="http://schemas.openxmlformats.org/drawingml/2006/diagram" xmlns:dsp="http://schemas.microsoft.com/office/drawing/2008/diagram">
       <p:transition/>
     </mc:Fallback>
   </mc:AlternateContent>
@@ -5764,7 +5769,7 @@
     <mc:Choice Requires="p14">
       <p:transition/>
     </mc:Choice>
-    <mc:Fallback xmlns:dsp="http://schemas.microsoft.com/office/drawing/2008/diagram" xmlns:dgm="http://schemas.openxmlformats.org/drawingml/2006/diagram" xmlns:c="http://schemas.openxmlformats.org/drawingml/2006/chart" xmlns="">
+    <mc:Fallback xmlns="" xmlns:c="http://schemas.openxmlformats.org/drawingml/2006/chart" xmlns:dgm="http://schemas.openxmlformats.org/drawingml/2006/diagram" xmlns:dsp="http://schemas.microsoft.com/office/drawing/2008/diagram">
       <p:transition/>
     </mc:Fallback>
   </mc:AlternateContent>
@@ -5881,7 +5886,7 @@
     <mc:Choice Requires="p14">
       <p:transition/>
     </mc:Choice>
-    <mc:Fallback xmlns:dsp="http://schemas.microsoft.com/office/drawing/2008/diagram" xmlns:dgm="http://schemas.openxmlformats.org/drawingml/2006/diagram" xmlns:c="http://schemas.openxmlformats.org/drawingml/2006/chart" xmlns="">
+    <mc:Fallback xmlns="" xmlns:c="http://schemas.openxmlformats.org/drawingml/2006/chart" xmlns:dgm="http://schemas.openxmlformats.org/drawingml/2006/diagram" xmlns:dsp="http://schemas.microsoft.com/office/drawing/2008/diagram">
       <p:transition/>
     </mc:Fallback>
   </mc:AlternateContent>
@@ -6424,7 +6429,7 @@
     <mc:Choice Requires="p14">
       <p:transition/>
     </mc:Choice>
-    <mc:Fallback xmlns:dsp="http://schemas.microsoft.com/office/drawing/2008/diagram" xmlns:dgm="http://schemas.openxmlformats.org/drawingml/2006/diagram" xmlns:c="http://schemas.openxmlformats.org/drawingml/2006/chart" xmlns="">
+    <mc:Fallback xmlns="" xmlns:c="http://schemas.openxmlformats.org/drawingml/2006/chart" xmlns:dgm="http://schemas.openxmlformats.org/drawingml/2006/diagram" xmlns:dsp="http://schemas.microsoft.com/office/drawing/2008/diagram">
       <p:transition/>
     </mc:Fallback>
   </mc:AlternateContent>
@@ -6687,7 +6692,7 @@
     <mc:Choice Requires="p14">
       <p:transition/>
     </mc:Choice>
-    <mc:Fallback xmlns:dsp="http://schemas.microsoft.com/office/drawing/2008/diagram" xmlns:dgm="http://schemas.openxmlformats.org/drawingml/2006/diagram" xmlns:c="http://schemas.openxmlformats.org/drawingml/2006/chart" xmlns="">
+    <mc:Fallback xmlns="" xmlns:c="http://schemas.openxmlformats.org/drawingml/2006/chart" xmlns:dgm="http://schemas.openxmlformats.org/drawingml/2006/diagram" xmlns:dsp="http://schemas.microsoft.com/office/drawing/2008/diagram">
       <p:transition/>
     </mc:Fallback>
   </mc:AlternateContent>
@@ -6989,7 +6994,7 @@
     <mc:Choice Requires="p14">
       <p:transition/>
     </mc:Choice>
-    <mc:Fallback xmlns:dsp="http://schemas.microsoft.com/office/drawing/2008/diagram" xmlns:dgm="http://schemas.openxmlformats.org/drawingml/2006/diagram" xmlns:c="http://schemas.openxmlformats.org/drawingml/2006/chart" xmlns="">
+    <mc:Fallback xmlns="" xmlns:c="http://schemas.openxmlformats.org/drawingml/2006/chart" xmlns:dgm="http://schemas.openxmlformats.org/drawingml/2006/diagram" xmlns:dsp="http://schemas.microsoft.com/office/drawing/2008/diagram">
       <p:transition/>
     </mc:Fallback>
   </mc:AlternateContent>
@@ -7187,7 +7192,7 @@
     <mc:Choice Requires="p14">
       <p:transition/>
     </mc:Choice>
-    <mc:Fallback xmlns:dsp="http://schemas.microsoft.com/office/drawing/2008/diagram" xmlns:dgm="http://schemas.openxmlformats.org/drawingml/2006/diagram" xmlns:c="http://schemas.openxmlformats.org/drawingml/2006/chart" xmlns="">
+    <mc:Fallback xmlns="" xmlns:c="http://schemas.openxmlformats.org/drawingml/2006/chart" xmlns:dgm="http://schemas.openxmlformats.org/drawingml/2006/diagram" xmlns:dsp="http://schemas.microsoft.com/office/drawing/2008/diagram">
       <p:transition/>
     </mc:Fallback>
   </mc:AlternateContent>
@@ -7711,7 +7716,7 @@
     <mc:Choice Requires="p14">
       <p:transition/>
     </mc:Choice>
-    <mc:Fallback xmlns:dsp="http://schemas.microsoft.com/office/drawing/2008/diagram" xmlns:dgm="http://schemas.openxmlformats.org/drawingml/2006/diagram" xmlns:c="http://schemas.openxmlformats.org/drawingml/2006/chart" xmlns="">
+    <mc:Fallback xmlns="" xmlns:c="http://schemas.openxmlformats.org/drawingml/2006/chart" xmlns:dgm="http://schemas.openxmlformats.org/drawingml/2006/diagram" xmlns:dsp="http://schemas.microsoft.com/office/drawing/2008/diagram">
       <p:transition/>
     </mc:Fallback>
   </mc:AlternateContent>
@@ -9221,7 +9226,7 @@
     <mc:Choice Requires="p14">
       <p:transition/>
     </mc:Choice>
-    <mc:Fallback xmlns:dsp="http://schemas.microsoft.com/office/drawing/2008/diagram" xmlns:dgm="http://schemas.openxmlformats.org/drawingml/2006/diagram" xmlns:c="http://schemas.openxmlformats.org/drawingml/2006/chart" xmlns="">
+    <mc:Fallback xmlns="" xmlns:c="http://schemas.openxmlformats.org/drawingml/2006/chart" xmlns:dgm="http://schemas.openxmlformats.org/drawingml/2006/diagram" xmlns:dsp="http://schemas.microsoft.com/office/drawing/2008/diagram">
       <p:transition/>
     </mc:Fallback>
   </mc:AlternateContent>
@@ -9472,7 +9477,7 @@
     <mc:Choice Requires="p14">
       <p:transition/>
     </mc:Choice>
-    <mc:Fallback xmlns:dsp="http://schemas.microsoft.com/office/drawing/2008/diagram" xmlns:dgm="http://schemas.openxmlformats.org/drawingml/2006/diagram" xmlns:c="http://schemas.openxmlformats.org/drawingml/2006/chart" xmlns="">
+    <mc:Fallback xmlns="" xmlns:c="http://schemas.openxmlformats.org/drawingml/2006/chart" xmlns:dgm="http://schemas.openxmlformats.org/drawingml/2006/diagram" xmlns:dsp="http://schemas.microsoft.com/office/drawing/2008/diagram">
       <p:transition/>
     </mc:Fallback>
   </mc:AlternateContent>
@@ -9557,10 +9562,7 @@
               <a:rPr lang="en-US" altLang="ko-KR" sz="1600" dirty="0" err="1"/>
               <a:t>ViewModel</a:t>
             </a:r>
-            <a:r>
-              <a:rPr lang="en-US" altLang="ko-KR" sz="1600" dirty="0"/>
-              <a:t>(DB)</a:t>
-            </a:r>
+            <a:endParaRPr lang="en-US" altLang="ko-KR" sz="1600" dirty="0"/>
           </a:p>
           <a:p>
             <a:pPr>
@@ -10537,7 +10539,7 @@
     <mc:Choice Requires="p14">
       <p:transition/>
     </mc:Choice>
-    <mc:Fallback xmlns:dsp="http://schemas.microsoft.com/office/drawing/2008/diagram" xmlns:dgm="http://schemas.openxmlformats.org/drawingml/2006/diagram" xmlns:c="http://schemas.openxmlformats.org/drawingml/2006/chart" xmlns="">
+    <mc:Fallback xmlns="" xmlns:c="http://schemas.openxmlformats.org/drawingml/2006/chart" xmlns:dgm="http://schemas.openxmlformats.org/drawingml/2006/diagram" xmlns:dsp="http://schemas.microsoft.com/office/drawing/2008/diagram">
       <p:transition/>
     </mc:Fallback>
   </mc:AlternateContent>
@@ -10592,10 +10594,7 @@
               <a:rPr lang="en-US" altLang="ko-KR" sz="1600" dirty="0" err="1"/>
               <a:t>ViewModel</a:t>
             </a:r>
-            <a:r>
-              <a:rPr lang="en-US" altLang="ko-KR" sz="1600" dirty="0"/>
-              <a:t>(DB)</a:t>
-            </a:r>
+            <a:endParaRPr lang="en-US" altLang="ko-KR" sz="1600" dirty="0"/>
           </a:p>
           <a:p>
             <a:pPr>
@@ -11710,7 +11709,7 @@
     <mc:Choice Requires="p14">
       <p:transition/>
     </mc:Choice>
-    <mc:Fallback xmlns:dsp="http://schemas.microsoft.com/office/drawing/2008/diagram" xmlns:dgm="http://schemas.openxmlformats.org/drawingml/2006/diagram" xmlns:c="http://schemas.openxmlformats.org/drawingml/2006/chart" xmlns="">
+    <mc:Fallback xmlns="" xmlns:c="http://schemas.openxmlformats.org/drawingml/2006/chart" xmlns:dgm="http://schemas.openxmlformats.org/drawingml/2006/diagram" xmlns:dsp="http://schemas.microsoft.com/office/drawing/2008/diagram">
       <p:transition/>
     </mc:Fallback>
   </mc:AlternateContent>
@@ -11910,7 +11909,7 @@
     <mc:Choice Requires="p14">
       <p:transition/>
     </mc:Choice>
-    <mc:Fallback xmlns:dsp="http://schemas.microsoft.com/office/drawing/2008/diagram" xmlns:dgm="http://schemas.openxmlformats.org/drawingml/2006/diagram" xmlns:c="http://schemas.openxmlformats.org/drawingml/2006/chart" xmlns="">
+    <mc:Fallback xmlns="" xmlns:c="http://schemas.openxmlformats.org/drawingml/2006/chart" xmlns:dgm="http://schemas.openxmlformats.org/drawingml/2006/diagram" xmlns:dsp="http://schemas.microsoft.com/office/drawing/2008/diagram">
       <p:transition/>
     </mc:Fallback>
   </mc:AlternateContent>
@@ -12640,18 +12639,18 @@
 </file>
 
 <file path=customXml/item2.xml><?xml version="1.0" encoding="utf-8"?>
+<p:properties xmlns:p="http://schemas.microsoft.com/office/2006/metadata/properties" xmlns:xsi="http://www.w3.org/2001/XMLSchema-instance" xmlns:pc="http://schemas.microsoft.com/office/infopath/2007/PartnerControls">
+  <documentManagement/>
+</p:properties>
+</file>
+
+<file path=customXml/item3.xml><?xml version="1.0" encoding="utf-8"?>
 <?mso-contentType ?>
 <FormTemplates xmlns="http://schemas.microsoft.com/sharepoint/v3/contenttype/forms">
   <Display>DocumentLibraryForm</Display>
   <Edit>DocumentLibraryForm</Edit>
   <New>DocumentLibraryForm</New>
 </FormTemplates>
-</file>
-
-<file path=customXml/item3.xml><?xml version="1.0" encoding="utf-8"?>
-<p:properties xmlns:p="http://schemas.microsoft.com/office/2006/metadata/properties" xmlns:xsi="http://www.w3.org/2001/XMLSchema-instance" xmlns:pc="http://schemas.microsoft.com/office/infopath/2007/PartnerControls">
-  <documentManagement/>
-</p:properties>
 </file>
 
 <file path=customXml/itemProps1.xml><?xml version="1.0" encoding="utf-8"?>
@@ -12673,14 +12672,6 @@
 </file>
 
 <file path=customXml/itemProps2.xml><?xml version="1.0" encoding="utf-8"?>
-<ds:datastoreItem xmlns:ds="http://schemas.openxmlformats.org/officeDocument/2006/customXml" ds:itemID="{257480E1-E1A5-4144-99AF-4DBFB80C7051}">
-  <ds:schemaRefs>
-    <ds:schemaRef ds:uri="http://schemas.microsoft.com/sharepoint/v3/contenttype/forms"/>
-  </ds:schemaRefs>
-</ds:datastoreItem>
-</file>
-
-<file path=customXml/itemProps3.xml><?xml version="1.0" encoding="utf-8"?>
 <ds:datastoreItem xmlns:ds="http://schemas.openxmlformats.org/officeDocument/2006/customXml" ds:itemID="{1D0AA9D8-93A3-4F59-8D1F-925B78531DFD}">
   <ds:schemaRefs>
     <ds:schemaRef ds:uri="http://schemas.microsoft.com/office/2006/documentManagement/types"/>
@@ -12694,4 +12685,12 @@
     <ds:schemaRef ds:uri="http://www.w3.org/XML/1998/namespace"/>
   </ds:schemaRefs>
 </ds:datastoreItem>
+</file>
+
+<file path=customXml/itemProps3.xml><?xml version="1.0" encoding="utf-8"?>
+<ds:datastoreItem xmlns:ds="http://schemas.openxmlformats.org/officeDocument/2006/customXml" ds:itemID="{257480E1-E1A5-4144-99AF-4DBFB80C7051}">
+  <ds:schemaRefs>
+    <ds:schemaRef ds:uri="http://schemas.microsoft.com/sharepoint/v3/contenttype/forms"/>
+  </ds:schemaRefs>
+</ds:datastoreItem>
 </file>